--- a/git및github첫걸음8-문서저장.pptx
+++ b/git및github첫걸음8-문서저장.pptx
@@ -1973,7 +1973,63 @@
           <a:bodyPr/>
           <a:lstStyle/>
           <a:p>
-            <a:endParaRPr lang="ko-KR" altLang="en-US" dirty="0"/>
+            <a:r>
+              <a:rPr lang="ko-KR" altLang="en-US" dirty="0" smtClean="0"/>
+              <a:t>일반 </a:t>
+            </a:r>
+            <a:r>
+              <a:rPr lang="en-US" altLang="ko-KR" dirty="0" smtClean="0"/>
+              <a:t>txt </a:t>
+            </a:r>
+            <a:r>
+              <a:rPr lang="ko-KR" altLang="en-US" dirty="0" smtClean="0"/>
+              <a:t>파일을 </a:t>
+            </a:r>
+            <a:r>
+              <a:rPr lang="en-US" altLang="ko-KR" dirty="0" smtClean="0"/>
+              <a:t>upload</a:t>
+            </a:r>
+            <a:r>
+              <a:rPr lang="ko-KR" altLang="en-US" dirty="0" smtClean="0"/>
+              <a:t>하면 </a:t>
+            </a:r>
+            <a:r>
+              <a:rPr lang="en-US" altLang="ko-KR" dirty="0" smtClean="0"/>
+              <a:t>create new file </a:t>
+            </a:r>
+            <a:r>
+              <a:rPr lang="ko-KR" altLang="en-US" dirty="0" smtClean="0"/>
+              <a:t>로 하는 것과 같은 결과를 보임</a:t>
+            </a:r>
+            <a:r>
+              <a:rPr lang="en-US" altLang="ko-KR" dirty="0" smtClean="0"/>
+              <a:t>.</a:t>
+            </a:r>
+            <a:r>
+              <a:rPr lang="ko-KR" altLang="en-US" baseline="0" dirty="0" smtClean="0"/>
+              <a:t> 다운로드는 </a:t>
+            </a:r>
+            <a:r>
+              <a:rPr lang="en-US" altLang="ko-KR" baseline="0" dirty="0" smtClean="0"/>
+              <a:t>raw</a:t>
+            </a:r>
+            <a:r>
+              <a:rPr lang="ko-KR" altLang="en-US" baseline="0" dirty="0" smtClean="0"/>
+              <a:t>에서 </a:t>
+            </a:r>
+            <a:r>
+              <a:rPr lang="en-US" altLang="ko-KR" baseline="0" dirty="0" err="1" smtClean="0"/>
+              <a:t>ctrl+s</a:t>
+            </a:r>
+            <a:r>
+              <a:rPr lang="ko-KR" altLang="en-US" baseline="0" dirty="0" smtClean="0"/>
+              <a:t>로 저장해야 함</a:t>
+            </a:r>
+            <a:r>
+              <a:rPr lang="en-US" altLang="ko-KR" baseline="0" dirty="0" smtClean="0"/>
+              <a:t>.</a:t>
+            </a:r>
+            <a:endParaRPr lang="en-US" altLang="ko-KR" dirty="0" smtClean="0"/>
           </a:p>
         </p:txBody>
       </p:sp>
@@ -9410,12 +9466,12 @@
           </a:lstStyle>
           <a:p>
             <a:r>
-              <a:rPr lang="ko-KR" altLang="en-US" dirty="0" err="1" smtClean="0"/>
-              <a:t>문서저장소</a:t>
-            </a:r>
-            <a:r>
               <a:rPr lang="ko-KR" altLang="en-US" dirty="0" smtClean="0"/>
-              <a:t> 만들기</a:t>
+              <a:t>문서 저장소 </a:t>
+            </a:r>
+            <a:r>
+              <a:rPr lang="ko-KR" altLang="en-US" dirty="0" smtClean="0"/>
+              <a:t>만들기</a:t>
             </a:r>
             <a:endParaRPr lang="en-US" altLang="ko-KR" dirty="0"/>
           </a:p>
@@ -11497,12 +11553,12 @@
           </a:lstStyle>
           <a:p>
             <a:r>
-              <a:rPr lang="ko-KR" altLang="en-US" dirty="0" err="1" smtClean="0"/>
-              <a:t>문서저장소</a:t>
-            </a:r>
-            <a:r>
               <a:rPr lang="ko-KR" altLang="en-US" dirty="0" smtClean="0"/>
-              <a:t> 만들기</a:t>
+              <a:t>문서 저장소 </a:t>
+            </a:r>
+            <a:r>
+              <a:rPr lang="ko-KR" altLang="en-US" dirty="0" smtClean="0"/>
+              <a:t>만들기</a:t>
             </a:r>
             <a:endParaRPr lang="en-US" altLang="ko-KR" dirty="0"/>
           </a:p>
@@ -12133,12 +12189,12 @@
           </a:lstStyle>
           <a:p>
             <a:r>
-              <a:rPr lang="ko-KR" altLang="en-US" dirty="0" err="1" smtClean="0"/>
-              <a:t>문서저장소</a:t>
-            </a:r>
-            <a:r>
               <a:rPr lang="ko-KR" altLang="en-US" dirty="0" smtClean="0"/>
-              <a:t> 만들기</a:t>
+              <a:t>문서 저장소 </a:t>
+            </a:r>
+            <a:r>
+              <a:rPr lang="ko-KR" altLang="en-US" dirty="0" smtClean="0"/>
+              <a:t>만들기</a:t>
             </a:r>
             <a:endParaRPr lang="en-US" altLang="ko-KR" dirty="0"/>
           </a:p>
@@ -12647,8 +12703,8 @@
           </a:lstStyle>
           <a:p>
             <a:r>
-              <a:rPr lang="ko-KR" altLang="en-US" dirty="0" err="1" smtClean="0"/>
-              <a:t>문서올리기</a:t>
+              <a:rPr lang="ko-KR" altLang="en-US" dirty="0" smtClean="0"/>
+              <a:t>문서 올리기</a:t>
             </a:r>
             <a:endParaRPr lang="en-US" altLang="ko-KR" dirty="0"/>
           </a:p>

--- a/git및github첫걸음8-문서저장.pptx
+++ b/git및github첫걸음8-문서저장.pptx
@@ -230,7 +230,7 @@
           <a:p>
             <a:fld id="{A17B9194-BDE3-40E3-983E-94CE6FA773AF}" type="datetimeFigureOut">
               <a:rPr lang="ko-KR" altLang="en-US" smtClean="0"/>
-              <a:t>2021-04-14</a:t>
+              <a:t>2021-04-15</a:t>
             </a:fld>
             <a:endParaRPr lang="ko-KR" altLang="en-US"/>
           </a:p>
@@ -2824,6 +2824,47 @@
           </a:p>
         </p:txBody>
       </p:sp>
+      <p:sp>
+        <p:nvSpPr>
+          <p:cNvPr id="6" name="Slide Number Placeholder 5"/>
+          <p:cNvSpPr>
+            <a:spLocks noGrp="1"/>
+          </p:cNvSpPr>
+          <p:nvPr>
+            <p:ph type="sldNum" sz="quarter" idx="12"/>
+          </p:nvPr>
+        </p:nvSpPr>
+        <p:spPr>
+          <a:xfrm>
+            <a:off x="6457950" y="6356351"/>
+            <a:ext cx="2057400" cy="365125"/>
+          </a:xfrm>
+        </p:spPr>
+        <p:txBody>
+          <a:bodyPr/>
+          <a:lstStyle>
+            <a:lvl1pPr>
+              <a:defRPr>
+                <a:solidFill>
+                  <a:srgbClr val="FFFF00"/>
+                </a:solidFill>
+              </a:defRPr>
+            </a:lvl1pPr>
+          </a:lstStyle>
+          <a:p>
+            <a:fld id="{526ADF51-C4A2-4521-899C-87F34FDB9C0A}" type="slidenum">
+              <a:rPr lang="ko-KR" altLang="en-US" smtClean="0"/>
+              <a:pPr/>
+              <a:t>‹#›</a:t>
+            </a:fld>
+            <a:r>
+              <a:rPr lang="en-US" altLang="ko-KR" dirty="0" smtClean="0"/>
+              <a:t>/22</a:t>
+            </a:r>
+            <a:endParaRPr lang="ko-KR" altLang="en-US" dirty="0"/>
+          </a:p>
+        </p:txBody>
+      </p:sp>
     </p:spTree>
     <p:extLst>
       <p:ext uri="{BB962C8B-B14F-4D97-AF65-F5344CB8AC3E}">
@@ -2966,9 +3007,9 @@
           <a:bodyPr/>
           <a:lstStyle/>
           <a:p>
-            <a:fld id="{30E72A5D-AC2D-4154-80BD-D3C3745E4EB5}" type="datetimeFigureOut">
+            <a:fld id="{C2F86C18-233D-4237-8FDE-0061B8EC00B8}" type="datetime1">
               <a:rPr lang="ko-KR" altLang="en-US" smtClean="0"/>
-              <a:t>2021-04-14</a:t>
+              <a:t>2021-04-15</a:t>
             </a:fld>
             <a:endParaRPr lang="ko-KR" altLang="en-US"/>
           </a:p>
@@ -3179,9 +3220,9 @@
             </a:lvl1pPr>
           </a:lstStyle>
           <a:p>
-            <a:fld id="{30E72A5D-AC2D-4154-80BD-D3C3745E4EB5}" type="datetimeFigureOut">
+            <a:fld id="{19973ABF-F0CE-4641-ACFD-376B09948F6E}" type="datetime1">
               <a:rPr lang="ko-KR" altLang="en-US" smtClean="0"/>
-              <a:t>2021-04-14</a:t>
+              <a:t>2021-04-15</a:t>
             </a:fld>
             <a:endParaRPr lang="ko-KR" altLang="en-US"/>
           </a:p>
@@ -3277,6 +3318,7 @@
     <p:sldLayoutId id="2147483674" r:id="rId1"/>
     <p:sldLayoutId id="2147483661" r:id="rId2"/>
   </p:sldLayoutIdLst>
+  <p:hf hdr="0" ftr="0" dt="0"/>
   <p:txStyles>
     <p:titleStyle>
       <a:lvl1pPr algn="l" defTabSz="914400" rtl="0" eaLnBrk="1" latinLnBrk="1" hangingPunct="1">
@@ -4079,6 +4121,34 @@
           </a:fontRef>
         </p:style>
       </p:cxnSp>
+      <p:sp>
+        <p:nvSpPr>
+          <p:cNvPr id="2" name="슬라이드 번호 개체 틀 1"/>
+          <p:cNvSpPr>
+            <a:spLocks noGrp="1"/>
+          </p:cNvSpPr>
+          <p:nvPr>
+            <p:ph type="sldNum" sz="quarter" idx="12"/>
+          </p:nvPr>
+        </p:nvSpPr>
+        <p:spPr/>
+        <p:txBody>
+          <a:bodyPr/>
+          <a:lstStyle/>
+          <a:p>
+            <a:fld id="{526ADF51-C4A2-4521-899C-87F34FDB9C0A}" type="slidenum">
+              <a:rPr lang="ko-KR" altLang="en-US" smtClean="0"/>
+              <a:pPr/>
+              <a:t>10</a:t>
+            </a:fld>
+            <a:r>
+              <a:rPr lang="en-US" altLang="ko-KR" smtClean="0"/>
+              <a:t>/22</a:t>
+            </a:r>
+            <a:endParaRPr lang="ko-KR" altLang="en-US" dirty="0"/>
+          </a:p>
+        </p:txBody>
+      </p:sp>
     </p:spTree>
     <p:extLst>
       <p:ext uri="{BB962C8B-B14F-4D97-AF65-F5344CB8AC3E}">
@@ -4704,6 +4774,34 @@
           </a:fontRef>
         </p:style>
       </p:cxnSp>
+      <p:sp>
+        <p:nvSpPr>
+          <p:cNvPr id="2" name="슬라이드 번호 개체 틀 1"/>
+          <p:cNvSpPr>
+            <a:spLocks noGrp="1"/>
+          </p:cNvSpPr>
+          <p:nvPr>
+            <p:ph type="sldNum" sz="quarter" idx="12"/>
+          </p:nvPr>
+        </p:nvSpPr>
+        <p:spPr/>
+        <p:txBody>
+          <a:bodyPr/>
+          <a:lstStyle/>
+          <a:p>
+            <a:fld id="{526ADF51-C4A2-4521-899C-87F34FDB9C0A}" type="slidenum">
+              <a:rPr lang="ko-KR" altLang="en-US" smtClean="0"/>
+              <a:pPr/>
+              <a:t>11</a:t>
+            </a:fld>
+            <a:r>
+              <a:rPr lang="en-US" altLang="ko-KR" smtClean="0"/>
+              <a:t>/22</a:t>
+            </a:r>
+            <a:endParaRPr lang="ko-KR" altLang="en-US" dirty="0"/>
+          </a:p>
+        </p:txBody>
+      </p:sp>
     </p:spTree>
     <p:extLst>
       <p:ext uri="{BB962C8B-B14F-4D97-AF65-F5344CB8AC3E}">
@@ -5500,6 +5598,34 @@
           </a:p>
         </p:txBody>
       </p:sp>
+      <p:sp>
+        <p:nvSpPr>
+          <p:cNvPr id="5" name="슬라이드 번호 개체 틀 4"/>
+          <p:cNvSpPr>
+            <a:spLocks noGrp="1"/>
+          </p:cNvSpPr>
+          <p:nvPr>
+            <p:ph type="sldNum" sz="quarter" idx="12"/>
+          </p:nvPr>
+        </p:nvSpPr>
+        <p:spPr/>
+        <p:txBody>
+          <a:bodyPr/>
+          <a:lstStyle/>
+          <a:p>
+            <a:fld id="{526ADF51-C4A2-4521-899C-87F34FDB9C0A}" type="slidenum">
+              <a:rPr lang="ko-KR" altLang="en-US" smtClean="0"/>
+              <a:pPr/>
+              <a:t>12</a:t>
+            </a:fld>
+            <a:r>
+              <a:rPr lang="en-US" altLang="ko-KR" smtClean="0"/>
+              <a:t>/22</a:t>
+            </a:r>
+            <a:endParaRPr lang="ko-KR" altLang="en-US" dirty="0"/>
+          </a:p>
+        </p:txBody>
+      </p:sp>
     </p:spTree>
     <p:extLst>
       <p:ext uri="{BB962C8B-B14F-4D97-AF65-F5344CB8AC3E}">
@@ -6035,6 +6161,34 @@
           </a:fontRef>
         </p:style>
       </p:cxnSp>
+      <p:sp>
+        <p:nvSpPr>
+          <p:cNvPr id="3" name="슬라이드 번호 개체 틀 2"/>
+          <p:cNvSpPr>
+            <a:spLocks noGrp="1"/>
+          </p:cNvSpPr>
+          <p:nvPr>
+            <p:ph type="sldNum" sz="quarter" idx="12"/>
+          </p:nvPr>
+        </p:nvSpPr>
+        <p:spPr/>
+        <p:txBody>
+          <a:bodyPr/>
+          <a:lstStyle/>
+          <a:p>
+            <a:fld id="{526ADF51-C4A2-4521-899C-87F34FDB9C0A}" type="slidenum">
+              <a:rPr lang="ko-KR" altLang="en-US" smtClean="0"/>
+              <a:pPr/>
+              <a:t>13</a:t>
+            </a:fld>
+            <a:r>
+              <a:rPr lang="en-US" altLang="ko-KR" smtClean="0"/>
+              <a:t>/22</a:t>
+            </a:r>
+            <a:endParaRPr lang="ko-KR" altLang="en-US" dirty="0"/>
+          </a:p>
+        </p:txBody>
+      </p:sp>
     </p:spTree>
     <p:extLst>
       <p:ext uri="{BB962C8B-B14F-4D97-AF65-F5344CB8AC3E}">
@@ -6661,6 +6815,34 @@
           </a:fontRef>
         </p:style>
       </p:cxnSp>
+      <p:sp>
+        <p:nvSpPr>
+          <p:cNvPr id="2" name="슬라이드 번호 개체 틀 1"/>
+          <p:cNvSpPr>
+            <a:spLocks noGrp="1"/>
+          </p:cNvSpPr>
+          <p:nvPr>
+            <p:ph type="sldNum" sz="quarter" idx="12"/>
+          </p:nvPr>
+        </p:nvSpPr>
+        <p:spPr/>
+        <p:txBody>
+          <a:bodyPr/>
+          <a:lstStyle/>
+          <a:p>
+            <a:fld id="{526ADF51-C4A2-4521-899C-87F34FDB9C0A}" type="slidenum">
+              <a:rPr lang="ko-KR" altLang="en-US" smtClean="0"/>
+              <a:pPr/>
+              <a:t>14</a:t>
+            </a:fld>
+            <a:r>
+              <a:rPr lang="en-US" altLang="ko-KR" smtClean="0"/>
+              <a:t>/22</a:t>
+            </a:r>
+            <a:endParaRPr lang="ko-KR" altLang="en-US" dirty="0"/>
+          </a:p>
+        </p:txBody>
+      </p:sp>
     </p:spTree>
     <p:extLst>
       <p:ext uri="{BB962C8B-B14F-4D97-AF65-F5344CB8AC3E}">
@@ -7614,6 +7796,34 @@
           </a:fontRef>
         </p:style>
       </p:cxnSp>
+      <p:sp>
+        <p:nvSpPr>
+          <p:cNvPr id="2" name="슬라이드 번호 개체 틀 1"/>
+          <p:cNvSpPr>
+            <a:spLocks noGrp="1"/>
+          </p:cNvSpPr>
+          <p:nvPr>
+            <p:ph type="sldNum" sz="quarter" idx="12"/>
+          </p:nvPr>
+        </p:nvSpPr>
+        <p:spPr/>
+        <p:txBody>
+          <a:bodyPr/>
+          <a:lstStyle/>
+          <a:p>
+            <a:fld id="{526ADF51-C4A2-4521-899C-87F34FDB9C0A}" type="slidenum">
+              <a:rPr lang="ko-KR" altLang="en-US" smtClean="0"/>
+              <a:pPr/>
+              <a:t>15</a:t>
+            </a:fld>
+            <a:r>
+              <a:rPr lang="en-US" altLang="ko-KR" smtClean="0"/>
+              <a:t>/22</a:t>
+            </a:r>
+            <a:endParaRPr lang="ko-KR" altLang="en-US" dirty="0"/>
+          </a:p>
+        </p:txBody>
+      </p:sp>
     </p:spTree>
     <p:extLst>
       <p:ext uri="{BB962C8B-B14F-4D97-AF65-F5344CB8AC3E}">
@@ -7993,6 +8203,34 @@
           </a:p>
         </p:txBody>
       </p:sp>
+      <p:sp>
+        <p:nvSpPr>
+          <p:cNvPr id="2" name="슬라이드 번호 개체 틀 1"/>
+          <p:cNvSpPr>
+            <a:spLocks noGrp="1"/>
+          </p:cNvSpPr>
+          <p:nvPr>
+            <p:ph type="sldNum" sz="quarter" idx="12"/>
+          </p:nvPr>
+        </p:nvSpPr>
+        <p:spPr/>
+        <p:txBody>
+          <a:bodyPr/>
+          <a:lstStyle/>
+          <a:p>
+            <a:fld id="{526ADF51-C4A2-4521-899C-87F34FDB9C0A}" type="slidenum">
+              <a:rPr lang="ko-KR" altLang="en-US" smtClean="0"/>
+              <a:pPr/>
+              <a:t>16</a:t>
+            </a:fld>
+            <a:r>
+              <a:rPr lang="en-US" altLang="ko-KR" smtClean="0"/>
+              <a:t>/22</a:t>
+            </a:r>
+            <a:endParaRPr lang="ko-KR" altLang="en-US" dirty="0"/>
+          </a:p>
+        </p:txBody>
+      </p:sp>
     </p:spTree>
     <p:extLst>
       <p:ext uri="{BB962C8B-B14F-4D97-AF65-F5344CB8AC3E}">
@@ -8406,6 +8644,34 @@
           </a:p>
         </p:txBody>
       </p:sp>
+      <p:sp>
+        <p:nvSpPr>
+          <p:cNvPr id="2" name="슬라이드 번호 개체 틀 1"/>
+          <p:cNvSpPr>
+            <a:spLocks noGrp="1"/>
+          </p:cNvSpPr>
+          <p:nvPr>
+            <p:ph type="sldNum" sz="quarter" idx="12"/>
+          </p:nvPr>
+        </p:nvSpPr>
+        <p:spPr/>
+        <p:txBody>
+          <a:bodyPr/>
+          <a:lstStyle/>
+          <a:p>
+            <a:fld id="{526ADF51-C4A2-4521-899C-87F34FDB9C0A}" type="slidenum">
+              <a:rPr lang="ko-KR" altLang="en-US" smtClean="0"/>
+              <a:pPr/>
+              <a:t>17</a:t>
+            </a:fld>
+            <a:r>
+              <a:rPr lang="en-US" altLang="ko-KR" smtClean="0"/>
+              <a:t>/22</a:t>
+            </a:r>
+            <a:endParaRPr lang="ko-KR" altLang="en-US" dirty="0"/>
+          </a:p>
+        </p:txBody>
+      </p:sp>
     </p:spTree>
     <p:extLst>
       <p:ext uri="{BB962C8B-B14F-4D97-AF65-F5344CB8AC3E}">
@@ -8825,6 +9091,34 @@
           </a:fontRef>
         </p:style>
       </p:cxnSp>
+      <p:sp>
+        <p:nvSpPr>
+          <p:cNvPr id="2" name="슬라이드 번호 개체 틀 1"/>
+          <p:cNvSpPr>
+            <a:spLocks noGrp="1"/>
+          </p:cNvSpPr>
+          <p:nvPr>
+            <p:ph type="sldNum" sz="quarter" idx="12"/>
+          </p:nvPr>
+        </p:nvSpPr>
+        <p:spPr/>
+        <p:txBody>
+          <a:bodyPr/>
+          <a:lstStyle/>
+          <a:p>
+            <a:fld id="{526ADF51-C4A2-4521-899C-87F34FDB9C0A}" type="slidenum">
+              <a:rPr lang="ko-KR" altLang="en-US" smtClean="0"/>
+              <a:pPr/>
+              <a:t>18</a:t>
+            </a:fld>
+            <a:r>
+              <a:rPr lang="en-US" altLang="ko-KR" smtClean="0"/>
+              <a:t>/22</a:t>
+            </a:r>
+            <a:endParaRPr lang="ko-KR" altLang="en-US" dirty="0"/>
+          </a:p>
+        </p:txBody>
+      </p:sp>
     </p:spTree>
     <p:extLst>
       <p:ext uri="{BB962C8B-B14F-4D97-AF65-F5344CB8AC3E}">
@@ -9244,6 +9538,34 @@
           </a:fontRef>
         </p:style>
       </p:cxnSp>
+      <p:sp>
+        <p:nvSpPr>
+          <p:cNvPr id="3" name="슬라이드 번호 개체 틀 2"/>
+          <p:cNvSpPr>
+            <a:spLocks noGrp="1"/>
+          </p:cNvSpPr>
+          <p:nvPr>
+            <p:ph type="sldNum" sz="quarter" idx="12"/>
+          </p:nvPr>
+        </p:nvSpPr>
+        <p:spPr/>
+        <p:txBody>
+          <a:bodyPr/>
+          <a:lstStyle/>
+          <a:p>
+            <a:fld id="{526ADF51-C4A2-4521-899C-87F34FDB9C0A}" type="slidenum">
+              <a:rPr lang="ko-KR" altLang="en-US" smtClean="0"/>
+              <a:pPr/>
+              <a:t>19</a:t>
+            </a:fld>
+            <a:r>
+              <a:rPr lang="en-US" altLang="ko-KR" smtClean="0"/>
+              <a:t>/22</a:t>
+            </a:r>
+            <a:endParaRPr lang="ko-KR" altLang="en-US" dirty="0"/>
+          </a:p>
+        </p:txBody>
+      </p:sp>
     </p:spTree>
     <p:extLst>
       <p:ext uri="{BB962C8B-B14F-4D97-AF65-F5344CB8AC3E}">
@@ -9467,11 +9789,7 @@
           <a:p>
             <a:r>
               <a:rPr lang="ko-KR" altLang="en-US" dirty="0" smtClean="0"/>
-              <a:t>문서 저장소 </a:t>
-            </a:r>
-            <a:r>
-              <a:rPr lang="ko-KR" altLang="en-US" dirty="0" smtClean="0"/>
-              <a:t>만들기</a:t>
+              <a:t>문서 저장소 만들기</a:t>
             </a:r>
             <a:endParaRPr lang="en-US" altLang="ko-KR" dirty="0"/>
           </a:p>
@@ -9778,6 +10096,34 @@
                 <a:srgbClr val="FF0000"/>
               </a:solidFill>
             </a:endParaRPr>
+          </a:p>
+        </p:txBody>
+      </p:sp>
+      <p:sp>
+        <p:nvSpPr>
+          <p:cNvPr id="3" name="슬라이드 번호 개체 틀 2"/>
+          <p:cNvSpPr>
+            <a:spLocks noGrp="1"/>
+          </p:cNvSpPr>
+          <p:nvPr>
+            <p:ph type="sldNum" sz="quarter" idx="12"/>
+          </p:nvPr>
+        </p:nvSpPr>
+        <p:spPr/>
+        <p:txBody>
+          <a:bodyPr/>
+          <a:lstStyle/>
+          <a:p>
+            <a:fld id="{526ADF51-C4A2-4521-899C-87F34FDB9C0A}" type="slidenum">
+              <a:rPr lang="ko-KR" altLang="en-US" smtClean="0"/>
+              <a:pPr/>
+              <a:t>2</a:t>
+            </a:fld>
+            <a:r>
+              <a:rPr lang="en-US" altLang="ko-KR" smtClean="0"/>
+              <a:t>/22</a:t>
+            </a:r>
+            <a:endParaRPr lang="ko-KR" altLang="en-US" dirty="0"/>
           </a:p>
         </p:txBody>
       </p:sp>
@@ -10212,6 +10558,34 @@
           </a:fontRef>
         </p:style>
       </p:cxnSp>
+      <p:sp>
+        <p:nvSpPr>
+          <p:cNvPr id="2" name="슬라이드 번호 개체 틀 1"/>
+          <p:cNvSpPr>
+            <a:spLocks noGrp="1"/>
+          </p:cNvSpPr>
+          <p:nvPr>
+            <p:ph type="sldNum" sz="quarter" idx="12"/>
+          </p:nvPr>
+        </p:nvSpPr>
+        <p:spPr/>
+        <p:txBody>
+          <a:bodyPr/>
+          <a:lstStyle/>
+          <a:p>
+            <a:fld id="{526ADF51-C4A2-4521-899C-87F34FDB9C0A}" type="slidenum">
+              <a:rPr lang="ko-KR" altLang="en-US" smtClean="0"/>
+              <a:pPr/>
+              <a:t>20</a:t>
+            </a:fld>
+            <a:r>
+              <a:rPr lang="en-US" altLang="ko-KR" smtClean="0"/>
+              <a:t>/22</a:t>
+            </a:r>
+            <a:endParaRPr lang="ko-KR" altLang="en-US" dirty="0"/>
+          </a:p>
+        </p:txBody>
+      </p:sp>
     </p:spTree>
     <p:extLst>
       <p:ext uri="{BB962C8B-B14F-4D97-AF65-F5344CB8AC3E}">
@@ -10672,6 +11046,34 @@
           </a:fontRef>
         </p:style>
       </p:cxnSp>
+      <p:sp>
+        <p:nvSpPr>
+          <p:cNvPr id="3" name="슬라이드 번호 개체 틀 2"/>
+          <p:cNvSpPr>
+            <a:spLocks noGrp="1"/>
+          </p:cNvSpPr>
+          <p:nvPr>
+            <p:ph type="sldNum" sz="quarter" idx="12"/>
+          </p:nvPr>
+        </p:nvSpPr>
+        <p:spPr/>
+        <p:txBody>
+          <a:bodyPr/>
+          <a:lstStyle/>
+          <a:p>
+            <a:fld id="{526ADF51-C4A2-4521-899C-87F34FDB9C0A}" type="slidenum">
+              <a:rPr lang="ko-KR" altLang="en-US" smtClean="0"/>
+              <a:pPr/>
+              <a:t>21</a:t>
+            </a:fld>
+            <a:r>
+              <a:rPr lang="en-US" altLang="ko-KR" smtClean="0"/>
+              <a:t>/22</a:t>
+            </a:r>
+            <a:endParaRPr lang="ko-KR" altLang="en-US" dirty="0"/>
+          </a:p>
+        </p:txBody>
+      </p:sp>
     </p:spTree>
     <p:extLst>
       <p:ext uri="{BB962C8B-B14F-4D97-AF65-F5344CB8AC3E}">
@@ -11038,6 +11440,34 @@
           </a:fontRef>
         </p:style>
       </p:cxnSp>
+      <p:sp>
+        <p:nvSpPr>
+          <p:cNvPr id="2" name="슬라이드 번호 개체 틀 1"/>
+          <p:cNvSpPr>
+            <a:spLocks noGrp="1"/>
+          </p:cNvSpPr>
+          <p:nvPr>
+            <p:ph type="sldNum" sz="quarter" idx="12"/>
+          </p:nvPr>
+        </p:nvSpPr>
+        <p:spPr/>
+        <p:txBody>
+          <a:bodyPr/>
+          <a:lstStyle/>
+          <a:p>
+            <a:fld id="{526ADF51-C4A2-4521-899C-87F34FDB9C0A}" type="slidenum">
+              <a:rPr lang="ko-KR" altLang="en-US" smtClean="0"/>
+              <a:pPr/>
+              <a:t>22</a:t>
+            </a:fld>
+            <a:r>
+              <a:rPr lang="en-US" altLang="ko-KR" smtClean="0"/>
+              <a:t>/22</a:t>
+            </a:r>
+            <a:endParaRPr lang="ko-KR" altLang="en-US" dirty="0"/>
+          </a:p>
+        </p:txBody>
+      </p:sp>
     </p:spTree>
     <p:extLst>
       <p:ext uri="{BB962C8B-B14F-4D97-AF65-F5344CB8AC3E}">
@@ -11355,6 +11785,34 @@
           </a:p>
         </p:txBody>
       </p:sp>
+      <p:sp>
+        <p:nvSpPr>
+          <p:cNvPr id="2" name="슬라이드 번호 개체 틀 1"/>
+          <p:cNvSpPr>
+            <a:spLocks noGrp="1"/>
+          </p:cNvSpPr>
+          <p:nvPr>
+            <p:ph type="sldNum" sz="quarter" idx="12"/>
+          </p:nvPr>
+        </p:nvSpPr>
+        <p:spPr/>
+        <p:txBody>
+          <a:bodyPr/>
+          <a:lstStyle/>
+          <a:p>
+            <a:fld id="{526ADF51-C4A2-4521-899C-87F34FDB9C0A}" type="slidenum">
+              <a:rPr lang="ko-KR" altLang="en-US" smtClean="0"/>
+              <a:pPr/>
+              <a:t>23</a:t>
+            </a:fld>
+            <a:r>
+              <a:rPr lang="en-US" altLang="ko-KR" smtClean="0"/>
+              <a:t>/22</a:t>
+            </a:r>
+            <a:endParaRPr lang="ko-KR" altLang="en-US" dirty="0"/>
+          </a:p>
+        </p:txBody>
+      </p:sp>
     </p:spTree>
     <p:extLst>
       <p:ext uri="{BB962C8B-B14F-4D97-AF65-F5344CB8AC3E}">
@@ -11554,11 +12012,7 @@
           <a:p>
             <a:r>
               <a:rPr lang="ko-KR" altLang="en-US" dirty="0" smtClean="0"/>
-              <a:t>문서 저장소 </a:t>
-            </a:r>
-            <a:r>
-              <a:rPr lang="ko-KR" altLang="en-US" dirty="0" smtClean="0"/>
-              <a:t>만들기</a:t>
+              <a:t>문서 저장소 만들기</a:t>
             </a:r>
             <a:endParaRPr lang="en-US" altLang="ko-KR" dirty="0"/>
           </a:p>
@@ -11943,6 +12397,34 @@
           </a:fontRef>
         </p:style>
       </p:cxnSp>
+      <p:sp>
+        <p:nvSpPr>
+          <p:cNvPr id="2" name="슬라이드 번호 개체 틀 1"/>
+          <p:cNvSpPr>
+            <a:spLocks noGrp="1"/>
+          </p:cNvSpPr>
+          <p:nvPr>
+            <p:ph type="sldNum" sz="quarter" idx="12"/>
+          </p:nvPr>
+        </p:nvSpPr>
+        <p:spPr/>
+        <p:txBody>
+          <a:bodyPr/>
+          <a:lstStyle/>
+          <a:p>
+            <a:fld id="{526ADF51-C4A2-4521-899C-87F34FDB9C0A}" type="slidenum">
+              <a:rPr lang="ko-KR" altLang="en-US" smtClean="0"/>
+              <a:pPr/>
+              <a:t>3</a:t>
+            </a:fld>
+            <a:r>
+              <a:rPr lang="en-US" altLang="ko-KR" smtClean="0"/>
+              <a:t>/22</a:t>
+            </a:r>
+            <a:endParaRPr lang="ko-KR" altLang="en-US" dirty="0"/>
+          </a:p>
+        </p:txBody>
+      </p:sp>
     </p:spTree>
     <p:extLst>
       <p:ext uri="{BB962C8B-B14F-4D97-AF65-F5344CB8AC3E}">
@@ -12190,11 +12672,7 @@
           <a:p>
             <a:r>
               <a:rPr lang="ko-KR" altLang="en-US" dirty="0" smtClean="0"/>
-              <a:t>문서 저장소 </a:t>
-            </a:r>
-            <a:r>
-              <a:rPr lang="ko-KR" altLang="en-US" dirty="0" smtClean="0"/>
-              <a:t>만들기</a:t>
+              <a:t>문서 저장소 만들기</a:t>
             </a:r>
             <a:endParaRPr lang="en-US" altLang="ko-KR" dirty="0"/>
           </a:p>
@@ -12481,6 +12959,34 @@
           </a:fontRef>
         </p:style>
       </p:cxnSp>
+      <p:sp>
+        <p:nvSpPr>
+          <p:cNvPr id="5" name="슬라이드 번호 개체 틀 4"/>
+          <p:cNvSpPr>
+            <a:spLocks noGrp="1"/>
+          </p:cNvSpPr>
+          <p:nvPr>
+            <p:ph type="sldNum" sz="quarter" idx="12"/>
+          </p:nvPr>
+        </p:nvSpPr>
+        <p:spPr/>
+        <p:txBody>
+          <a:bodyPr/>
+          <a:lstStyle/>
+          <a:p>
+            <a:fld id="{526ADF51-C4A2-4521-899C-87F34FDB9C0A}" type="slidenum">
+              <a:rPr lang="ko-KR" altLang="en-US" smtClean="0"/>
+              <a:pPr/>
+              <a:t>4</a:t>
+            </a:fld>
+            <a:r>
+              <a:rPr lang="en-US" altLang="ko-KR" smtClean="0"/>
+              <a:t>/22</a:t>
+            </a:r>
+            <a:endParaRPr lang="ko-KR" altLang="en-US" dirty="0"/>
+          </a:p>
+        </p:txBody>
+      </p:sp>
     </p:spTree>
     <p:extLst>
       <p:ext uri="{BB962C8B-B14F-4D97-AF65-F5344CB8AC3E}">
@@ -13270,6 +13776,34 @@
           </a:fontRef>
         </p:style>
       </p:cxnSp>
+      <p:sp>
+        <p:nvSpPr>
+          <p:cNvPr id="2" name="슬라이드 번호 개체 틀 1"/>
+          <p:cNvSpPr>
+            <a:spLocks noGrp="1"/>
+          </p:cNvSpPr>
+          <p:nvPr>
+            <p:ph type="sldNum" sz="quarter" idx="12"/>
+          </p:nvPr>
+        </p:nvSpPr>
+        <p:spPr/>
+        <p:txBody>
+          <a:bodyPr/>
+          <a:lstStyle/>
+          <a:p>
+            <a:fld id="{526ADF51-C4A2-4521-899C-87F34FDB9C0A}" type="slidenum">
+              <a:rPr lang="ko-KR" altLang="en-US" smtClean="0"/>
+              <a:pPr/>
+              <a:t>5</a:t>
+            </a:fld>
+            <a:r>
+              <a:rPr lang="en-US" altLang="ko-KR" smtClean="0"/>
+              <a:t>/22</a:t>
+            </a:r>
+            <a:endParaRPr lang="ko-KR" altLang="en-US" dirty="0"/>
+          </a:p>
+        </p:txBody>
+      </p:sp>
     </p:spTree>
     <p:extLst>
       <p:ext uri="{BB962C8B-B14F-4D97-AF65-F5344CB8AC3E}">
@@ -14055,6 +14589,34 @@
           </a:fontRef>
         </p:style>
       </p:cxnSp>
+      <p:sp>
+        <p:nvSpPr>
+          <p:cNvPr id="2" name="슬라이드 번호 개체 틀 1"/>
+          <p:cNvSpPr>
+            <a:spLocks noGrp="1"/>
+          </p:cNvSpPr>
+          <p:nvPr>
+            <p:ph type="sldNum" sz="quarter" idx="12"/>
+          </p:nvPr>
+        </p:nvSpPr>
+        <p:spPr/>
+        <p:txBody>
+          <a:bodyPr/>
+          <a:lstStyle/>
+          <a:p>
+            <a:fld id="{526ADF51-C4A2-4521-899C-87F34FDB9C0A}" type="slidenum">
+              <a:rPr lang="ko-KR" altLang="en-US" smtClean="0"/>
+              <a:pPr/>
+              <a:t>6</a:t>
+            </a:fld>
+            <a:r>
+              <a:rPr lang="en-US" altLang="ko-KR" smtClean="0"/>
+              <a:t>/22</a:t>
+            </a:r>
+            <a:endParaRPr lang="ko-KR" altLang="en-US" dirty="0"/>
+          </a:p>
+        </p:txBody>
+      </p:sp>
     </p:spTree>
     <p:extLst>
       <p:ext uri="{BB962C8B-B14F-4D97-AF65-F5344CB8AC3E}">
@@ -14491,6 +15053,34 @@
           </a:fontRef>
         </p:style>
       </p:cxnSp>
+      <p:sp>
+        <p:nvSpPr>
+          <p:cNvPr id="3" name="슬라이드 번호 개체 틀 2"/>
+          <p:cNvSpPr>
+            <a:spLocks noGrp="1"/>
+          </p:cNvSpPr>
+          <p:nvPr>
+            <p:ph type="sldNum" sz="quarter" idx="12"/>
+          </p:nvPr>
+        </p:nvSpPr>
+        <p:spPr/>
+        <p:txBody>
+          <a:bodyPr/>
+          <a:lstStyle/>
+          <a:p>
+            <a:fld id="{526ADF51-C4A2-4521-899C-87F34FDB9C0A}" type="slidenum">
+              <a:rPr lang="ko-KR" altLang="en-US" smtClean="0"/>
+              <a:pPr/>
+              <a:t>7</a:t>
+            </a:fld>
+            <a:r>
+              <a:rPr lang="en-US" altLang="ko-KR" smtClean="0"/>
+              <a:t>/22</a:t>
+            </a:r>
+            <a:endParaRPr lang="ko-KR" altLang="en-US" dirty="0"/>
+          </a:p>
+        </p:txBody>
+      </p:sp>
     </p:spTree>
     <p:extLst>
       <p:ext uri="{BB962C8B-B14F-4D97-AF65-F5344CB8AC3E}">
@@ -15107,6 +15697,34 @@
           </a:fontRef>
         </p:style>
       </p:cxnSp>
+      <p:sp>
+        <p:nvSpPr>
+          <p:cNvPr id="2" name="슬라이드 번호 개체 틀 1"/>
+          <p:cNvSpPr>
+            <a:spLocks noGrp="1"/>
+          </p:cNvSpPr>
+          <p:nvPr>
+            <p:ph type="sldNum" sz="quarter" idx="12"/>
+          </p:nvPr>
+        </p:nvSpPr>
+        <p:spPr/>
+        <p:txBody>
+          <a:bodyPr/>
+          <a:lstStyle/>
+          <a:p>
+            <a:fld id="{526ADF51-C4A2-4521-899C-87F34FDB9C0A}" type="slidenum">
+              <a:rPr lang="ko-KR" altLang="en-US" smtClean="0"/>
+              <a:pPr/>
+              <a:t>8</a:t>
+            </a:fld>
+            <a:r>
+              <a:rPr lang="en-US" altLang="ko-KR" smtClean="0"/>
+              <a:t>/22</a:t>
+            </a:r>
+            <a:endParaRPr lang="ko-KR" altLang="en-US" dirty="0"/>
+          </a:p>
+        </p:txBody>
+      </p:sp>
     </p:spTree>
     <p:extLst>
       <p:ext uri="{BB962C8B-B14F-4D97-AF65-F5344CB8AC3E}">
@@ -15970,6 +16588,34 @@
           </a:fontRef>
         </p:style>
       </p:cxnSp>
+      <p:sp>
+        <p:nvSpPr>
+          <p:cNvPr id="2" name="슬라이드 번호 개체 틀 1"/>
+          <p:cNvSpPr>
+            <a:spLocks noGrp="1"/>
+          </p:cNvSpPr>
+          <p:nvPr>
+            <p:ph type="sldNum" sz="quarter" idx="12"/>
+          </p:nvPr>
+        </p:nvSpPr>
+        <p:spPr/>
+        <p:txBody>
+          <a:bodyPr/>
+          <a:lstStyle/>
+          <a:p>
+            <a:fld id="{526ADF51-C4A2-4521-899C-87F34FDB9C0A}" type="slidenum">
+              <a:rPr lang="ko-KR" altLang="en-US" smtClean="0"/>
+              <a:pPr/>
+              <a:t>9</a:t>
+            </a:fld>
+            <a:r>
+              <a:rPr lang="en-US" altLang="ko-KR" smtClean="0"/>
+              <a:t>/22</a:t>
+            </a:r>
+            <a:endParaRPr lang="ko-KR" altLang="en-US" dirty="0"/>
+          </a:p>
+        </p:txBody>
+      </p:sp>
     </p:spTree>
     <p:extLst>
       <p:ext uri="{BB962C8B-B14F-4D97-AF65-F5344CB8AC3E}">
